--- a/Sprint presentations/Individual_Project-Sprint3.pptx
+++ b/Sprint presentations/Individual_Project-Sprint3.pptx
@@ -4741,35 +4741,42 @@
                 <a:effectLst/>
                 <a:latin typeface="Noto Sans" panose="020B0502040504020204" pitchFamily="34" charset="0"/>
               </a:rPr>
-              <a:t>F</a:t>
+              <a:t>D</a:t>
             </a:r>
             <a:r>
               <a:rPr lang="nl-NL" b="1" i="0" dirty="0" err="1">
                 <a:effectLst/>
                 <a:latin typeface="Noto Sans" panose="020B0502040504020204" pitchFamily="34" charset="0"/>
               </a:rPr>
-              <a:t>ocusing</a:t>
+              <a:t>eploying</a:t>
             </a:r>
             <a:r>
               <a:rPr lang="nl-NL" b="1" i="0" dirty="0">
                 <a:effectLst/>
                 <a:latin typeface="Noto Sans" panose="020B0502040504020204" pitchFamily="34" charset="0"/>
               </a:rPr>
-              <a:t> on </a:t>
-            </a:r>
-            <a:r>
-              <a:rPr lang="nl-NL" b="1" i="0" dirty="0" err="1">
-                <a:effectLst/>
-                <a:latin typeface="Noto Sans" panose="020B0502040504020204" pitchFamily="34" charset="0"/>
-              </a:rPr>
-              <a:t>Adding</a:t>
-            </a:r>
-            <a:r>
-              <a:rPr lang="nl-NL" b="1" i="0" dirty="0">
-                <a:effectLst/>
-                <a:latin typeface="Noto Sans" panose="020B0502040504020204" pitchFamily="34" charset="0"/>
-              </a:rPr>
-              <a:t> Features</a:t>
+              <a:t> </a:t>
+            </a:r>
+            <a:r>
+              <a:rPr lang="nl-NL" b="1" u="sng" dirty="0" err="1">
+                <a:solidFill>
+                  <a:srgbClr val="FF0000"/>
+                </a:solidFill>
+                <a:latin typeface="Noto Sans" panose="020B0502040504020204" pitchFamily="34" charset="0"/>
+              </a:rPr>
+              <a:t>k</a:t>
+            </a:r>
+            <a:r>
+              <a:rPr lang="nl-NL" b="1" u="sng" dirty="0" err="1">
+                <a:latin typeface="Noto Sans" panose="020B0502040504020204" pitchFamily="34" charset="0"/>
+              </a:rPr>
+              <a:t>ubernetes</a:t>
+            </a:r>
+            <a:r>
+              <a:rPr lang="nl-NL" b="1" u="sng" dirty="0">
+                <a:latin typeface="Noto Sans" panose="020B0502040504020204" pitchFamily="34" charset="0"/>
+              </a:rPr>
+              <a:t> </a:t>
             </a:r>
           </a:p>
           <a:p>
@@ -4781,99 +4788,92 @@
                 <a:effectLst/>
                 <a:latin typeface="Noto Sans" panose="020B0502040504020204" pitchFamily="34" charset="0"/>
               </a:rPr>
-              <a:t>C</a:t>
+              <a:t>V</a:t>
             </a:r>
             <a:r>
               <a:rPr lang="nl-NL" b="1" i="0" dirty="0" err="1">
                 <a:effectLst/>
                 <a:latin typeface="Noto Sans" panose="020B0502040504020204" pitchFamily="34" charset="0"/>
               </a:rPr>
-              <a:t>reating</a:t>
+              <a:t>erifying</a:t>
             </a:r>
             <a:r>
               <a:rPr lang="nl-NL" b="1" i="0" dirty="0">
                 <a:effectLst/>
                 <a:latin typeface="Noto Sans" panose="020B0502040504020204" pitchFamily="34" charset="0"/>
               </a:rPr>
-              <a:t> a </a:t>
-            </a:r>
-            <a:r>
-              <a:rPr lang="nl-NL" b="1" u="sng" dirty="0" err="1">
-                <a:solidFill>
-                  <a:srgbClr val="FF0000"/>
-                </a:solidFill>
-                <a:latin typeface="Noto Sans" panose="020B0502040504020204" pitchFamily="34" charset="0"/>
-              </a:rPr>
-              <a:t>k</a:t>
-            </a:r>
-            <a:r>
-              <a:rPr lang="nl-NL" b="1" u="sng" dirty="0" err="1">
-                <a:latin typeface="Noto Sans" panose="020B0502040504020204" pitchFamily="34" charset="0"/>
-              </a:rPr>
-              <a:t>ubernetes</a:t>
-            </a:r>
-            <a:r>
-              <a:rPr lang="nl-NL" b="1" dirty="0">
-                <a:latin typeface="Noto Sans" panose="020B0502040504020204" pitchFamily="34" charset="0"/>
-              </a:rPr>
-              <a:t> environment </a:t>
-            </a:r>
-            <a:r>
-              <a:rPr lang="nl-NL" b="1" dirty="0" err="1">
-                <a:latin typeface="Noto Sans" panose="020B0502040504020204" pitchFamily="34" charset="0"/>
-              </a:rPr>
-              <a:t>locally</a:t>
-            </a:r>
-            <a:endParaRPr lang="nl-NL" b="1" u="sng" dirty="0">
+              <a:t> </a:t>
+            </a:r>
+            <a:r>
+              <a:rPr lang="nl-NL" b="1" i="0" dirty="0" err="1">
+                <a:effectLst/>
+                <a:latin typeface="Noto Sans" panose="020B0502040504020204" pitchFamily="34" charset="0"/>
+              </a:rPr>
+              <a:t>the</a:t>
+            </a:r>
+            <a:r>
+              <a:rPr lang="nl-NL" b="1" i="0" dirty="0">
+                <a:effectLst/>
+                <a:latin typeface="Noto Sans" panose="020B0502040504020204" pitchFamily="34" charset="0"/>
+              </a:rPr>
+              <a:t> Non-</a:t>
+            </a:r>
+            <a:r>
+              <a:rPr lang="nl-NL" b="1" i="0" dirty="0" err="1">
+                <a:effectLst/>
+                <a:latin typeface="Noto Sans" panose="020B0502040504020204" pitchFamily="34" charset="0"/>
+              </a:rPr>
+              <a:t>functional</a:t>
+            </a:r>
+            <a:endParaRPr lang="nl-NL" b="1" i="0" dirty="0">
+              <a:effectLst/>
               <a:latin typeface="Noto Sans" panose="020B0502040504020204" pitchFamily="34" charset="0"/>
             </a:endParaRPr>
           </a:p>
           <a:p>
+            <a:pPr lvl="1"/>
             <a:r>
               <a:rPr lang="nl-NL" b="1" dirty="0" err="1">
-                <a:solidFill>
-                  <a:srgbClr val="FF0000"/>
-                </a:solidFill>
-                <a:latin typeface="Noto Sans" panose="020B0502040504020204" pitchFamily="34" charset="0"/>
-              </a:rPr>
-              <a:t>W</a:t>
-            </a:r>
+                <a:latin typeface="Noto Sans" panose="020B0502040504020204" pitchFamily="34" charset="0"/>
+              </a:rPr>
+              <a:t>Scalability</a:t>
+            </a:r>
+            <a:endParaRPr lang="nl-NL" b="1" dirty="0">
+              <a:latin typeface="Noto Sans" panose="020B0502040504020204" pitchFamily="34" charset="0"/>
+            </a:endParaRPr>
+          </a:p>
+          <a:p>
+            <a:pPr lvl="1"/>
+            <a:r>
+              <a:rPr lang="nl-NL" b="1" dirty="0">
+                <a:latin typeface="Noto Sans" panose="020B0502040504020204" pitchFamily="34" charset="0"/>
+              </a:rPr>
+              <a:t>Security</a:t>
+            </a:r>
+          </a:p>
+          <a:p>
+            <a:pPr lvl="1"/>
             <a:r>
               <a:rPr lang="nl-NL" b="1" dirty="0" err="1">
                 <a:latin typeface="Noto Sans" panose="020B0502040504020204" pitchFamily="34" charset="0"/>
               </a:rPr>
-              <a:t>orking</a:t>
-            </a:r>
-            <a:r>
-              <a:rPr lang="nl-NL" b="1" dirty="0">
-                <a:latin typeface="Noto Sans" panose="020B0502040504020204" pitchFamily="34" charset="0"/>
-              </a:rPr>
-              <a:t> on </a:t>
-            </a:r>
+              <a:t>Reliability</a:t>
+            </a:r>
+            <a:endParaRPr lang="nl-NL" b="1" dirty="0">
+              <a:latin typeface="Noto Sans" panose="020B0502040504020204" pitchFamily="34" charset="0"/>
+            </a:endParaRPr>
+          </a:p>
+          <a:p>
+            <a:pPr lvl="1"/>
             <a:r>
               <a:rPr lang="nl-NL" b="1" dirty="0" err="1">
                 <a:latin typeface="Noto Sans" panose="020B0502040504020204" pitchFamily="34" charset="0"/>
               </a:rPr>
-              <a:t>the</a:t>
-            </a:r>
-            <a:r>
-              <a:rPr lang="nl-NL" b="1" dirty="0">
-                <a:latin typeface="Noto Sans" panose="020B0502040504020204" pitchFamily="34" charset="0"/>
-              </a:rPr>
-              <a:t> </a:t>
-            </a:r>
-            <a:r>
-              <a:rPr lang="nl-NL" b="1" dirty="0" err="1">
-                <a:latin typeface="Noto Sans" panose="020B0502040504020204" pitchFamily="34" charset="0"/>
-              </a:rPr>
-              <a:t>DevOps</a:t>
-            </a:r>
-            <a:r>
-              <a:rPr lang="nl-NL" b="1" dirty="0">
-                <a:latin typeface="Noto Sans" panose="020B0502040504020204" pitchFamily="34" charset="0"/>
-              </a:rPr>
-              <a:t> document</a:t>
-            </a:r>
+              <a:t>Maintainability</a:t>
+            </a:r>
+            <a:endParaRPr lang="nl-NL" b="1" dirty="0">
+              <a:latin typeface="Noto Sans" panose="020B0502040504020204" pitchFamily="34" charset="0"/>
+            </a:endParaRPr>
           </a:p>
           <a:p>
             <a:endParaRPr lang="nl-NL" dirty="0"/>
@@ -5855,13 +5855,67 @@
               </a:rPr>
               <a:t>created</a:t>
             </a:r>
+            <a:endParaRPr lang="nl-NL" b="1" i="0" dirty="0">
+              <a:effectLst/>
+              <a:latin typeface="Noto Sans" panose="020B0502040504020204" pitchFamily="34" charset="0"/>
+            </a:endParaRPr>
+          </a:p>
+          <a:p>
             <a:r>
               <a:rPr lang="nl-NL" b="1" i="0" dirty="0">
-                <a:effectLst/>
-                <a:latin typeface="Noto Sans" panose="020B0502040504020204" pitchFamily="34" charset="0"/>
-              </a:rPr>
-              <a:t> </a:t>
-            </a:r>
+                <a:solidFill>
+                  <a:srgbClr val="FF0000"/>
+                </a:solidFill>
+                <a:effectLst/>
+                <a:latin typeface="Noto Sans" panose="020B0502040504020204" pitchFamily="34" charset="0"/>
+              </a:rPr>
+              <a:t>C</a:t>
+            </a:r>
+            <a:r>
+              <a:rPr lang="en-US" b="1" i="0" dirty="0" err="1">
+                <a:effectLst/>
+                <a:latin typeface="Noto Sans" panose="020B0502040504020204" pitchFamily="34" charset="0"/>
+              </a:rPr>
+              <a:t>onnected</a:t>
+            </a:r>
+            <a:r>
+              <a:rPr lang="en-US" b="1" i="0" dirty="0">
+                <a:effectLst/>
+                <a:latin typeface="Noto Sans" panose="020B0502040504020204" pitchFamily="34" charset="0"/>
+              </a:rPr>
+              <a:t> the </a:t>
+            </a:r>
+            <a:r>
+              <a:rPr lang="en-US" b="1" dirty="0" err="1">
+                <a:latin typeface="Noto Sans" panose="020B0502040504020204" pitchFamily="34" charset="0"/>
+              </a:rPr>
+              <a:t>G</a:t>
+            </a:r>
+            <a:r>
+              <a:rPr lang="en-US" b="1" i="0" dirty="0" err="1">
+                <a:effectLst/>
+                <a:latin typeface="Noto Sans" panose="020B0502040504020204" pitchFamily="34" charset="0"/>
+              </a:rPr>
+              <a:t>ithub</a:t>
+            </a:r>
+            <a:r>
+              <a:rPr lang="en-US" b="1" i="0" dirty="0">
+                <a:effectLst/>
+                <a:latin typeface="Noto Sans" panose="020B0502040504020204" pitchFamily="34" charset="0"/>
+              </a:rPr>
+              <a:t> Actions to </a:t>
+            </a:r>
+            <a:r>
+              <a:rPr lang="en-US" b="1" i="0" dirty="0" err="1">
+                <a:effectLst/>
+                <a:latin typeface="Noto Sans" panose="020B0502040504020204" pitchFamily="34" charset="0"/>
+              </a:rPr>
+              <a:t>sonarcloud</a:t>
+            </a:r>
+            <a:endParaRPr lang="nl-NL" b="1" i="0" dirty="0">
+              <a:effectLst/>
+              <a:latin typeface="Noto Sans" panose="020B0502040504020204" pitchFamily="34" charset="0"/>
+            </a:endParaRPr>
           </a:p>
           <a:p>
             <a:endParaRPr lang="nl-NL" b="1" i="0" dirty="0">
@@ -6088,10 +6142,10 @@
       </p:sp>
       <p:pic>
         <p:nvPicPr>
-          <p:cNvPr id="9" name="Afbeelding 8">
+          <p:cNvPr id="5" name="Afbeelding 4">
             <a:extLst>
               <a:ext uri="{FF2B5EF4-FFF2-40B4-BE49-F238E27FC236}">
-                <a16:creationId xmlns:a16="http://schemas.microsoft.com/office/drawing/2014/main" id="{0991B871-46B3-43A2-9C87-D548786F969A}"/>
+                <a16:creationId xmlns:a16="http://schemas.microsoft.com/office/drawing/2014/main" id="{EBF34B72-07E2-41F8-A748-8B50D1BF68D6}"/>
               </a:ext>
             </a:extLst>
           </p:cNvPr>
@@ -6101,21 +6155,15 @@
           <p:nvPr/>
         </p:nvPicPr>
         <p:blipFill>
-          <a:blip r:embed="rId3">
-            <a:extLst>
-              <a:ext uri="{28A0092B-C50C-407E-A947-70E740481C1C}">
-                <a14:useLocalDpi xmlns:a14="http://schemas.microsoft.com/office/drawing/2010/main" val="0"/>
-              </a:ext>
-            </a:extLst>
-          </a:blip>
+          <a:blip r:embed="rId3"/>
           <a:stretch>
             <a:fillRect/>
           </a:stretch>
         </p:blipFill>
         <p:spPr>
           <a:xfrm>
-            <a:off x="1383957" y="3330584"/>
-            <a:ext cx="9424086" cy="2734181"/>
+            <a:off x="758045" y="3429000"/>
+            <a:ext cx="10675909" cy="3038073"/>
           </a:xfrm>
           <a:prstGeom prst="rect">
             <a:avLst/>
@@ -6438,10 +6486,6 @@
           </a:bodyPr>
           <a:lstStyle/>
           <a:p>
-            <a:pPr>
-              <a:buFontTx/>
-              <a:buChar char="-"/>
-            </a:pPr>
             <a:r>
               <a:rPr lang="nl-NL" b="1" dirty="0" err="1">
                 <a:solidFill>
@@ -6455,7 +6499,7 @@
               <a:rPr lang="nl-NL" b="1" dirty="0" err="1">
                 <a:latin typeface="Noto Sans" panose="020B0502040504020204" pitchFamily="34" charset="0"/>
               </a:rPr>
-              <a:t>uthentication</a:t>
+              <a:t>dded</a:t>
             </a:r>
             <a:r>
               <a:rPr lang="nl-NL" b="1" dirty="0">
@@ -6467,59 +6511,14 @@
               <a:rPr lang="nl-NL" b="1" dirty="0" err="1">
                 <a:latin typeface="Noto Sans" panose="020B0502040504020204" pitchFamily="34" charset="0"/>
               </a:rPr>
-              <a:t>with</a:t>
+              <a:t>the</a:t>
             </a:r>
             <a:r>
               <a:rPr lang="nl-NL" b="1" dirty="0">
                 <a:latin typeface="Noto Sans" panose="020B0502040504020204" pitchFamily="34" charset="0"/>
               </a:rPr>
-              <a:t> </a:t>
-            </a:r>
-            <a:r>
-              <a:rPr lang="nl-NL" b="1" dirty="0" err="1">
-                <a:latin typeface="Noto Sans" panose="020B0502040504020204" pitchFamily="34" charset="0"/>
-              </a:rPr>
-              <a:t>Keycloak</a:t>
-            </a:r>
-            <a:endParaRPr lang="nl-NL" b="1" dirty="0">
-              <a:latin typeface="Noto Sans" panose="020B0502040504020204" pitchFamily="34" charset="0"/>
-            </a:endParaRPr>
-          </a:p>
-          <a:p>
-            <a:pPr>
-              <a:buFontTx/>
-              <a:buChar char="-"/>
-            </a:pPr>
-            <a:r>
-              <a:rPr lang="nl-NL" b="1" dirty="0" err="1">
-                <a:solidFill>
-                  <a:srgbClr val="FF0000"/>
-                </a:solidFill>
-                <a:latin typeface="Noto Sans" panose="020B0502040504020204" pitchFamily="34" charset="0"/>
-              </a:rPr>
-              <a:t>R</a:t>
-            </a:r>
-            <a:r>
-              <a:rPr lang="nl-NL" b="1" dirty="0" err="1">
-                <a:latin typeface="Noto Sans" panose="020B0502040504020204" pitchFamily="34" charset="0"/>
-              </a:rPr>
-              <a:t>abbitMQ</a:t>
-            </a:r>
-            <a:r>
-              <a:rPr lang="nl-NL" b="1" dirty="0">
-                <a:latin typeface="Noto Sans" panose="020B0502040504020204" pitchFamily="34" charset="0"/>
-              </a:rPr>
-              <a:t> Message broker</a:t>
-            </a:r>
-          </a:p>
-          <a:p>
-            <a:pPr>
-              <a:buFontTx/>
-              <a:buChar char="-"/>
-            </a:pPr>
-            <a:endParaRPr lang="nl-NL" b="1" dirty="0">
-              <a:latin typeface="Noto Sans" panose="020B0502040504020204" pitchFamily="34" charset="0"/>
-            </a:endParaRPr>
+              <a:t> OWSP Analysis  </a:t>
+            </a:r>
           </a:p>
           <a:p>
             <a:pPr marL="0" indent="0">
@@ -6531,10 +6530,10 @@
       </p:sp>
       <p:pic>
         <p:nvPicPr>
-          <p:cNvPr id="6" name="Afbeelding 5">
+          <p:cNvPr id="5" name="Afbeelding 4">
             <a:extLst>
               <a:ext uri="{FF2B5EF4-FFF2-40B4-BE49-F238E27FC236}">
-                <a16:creationId xmlns:a16="http://schemas.microsoft.com/office/drawing/2014/main" id="{DB44747A-727F-43FF-B822-787A17C754DB}"/>
+                <a16:creationId xmlns:a16="http://schemas.microsoft.com/office/drawing/2014/main" id="{0BE26CC1-E6D1-40B3-9A2A-662F899B6BC0}"/>
               </a:ext>
             </a:extLst>
           </p:cNvPr>
@@ -6543,15 +6542,46 @@
           </p:cNvPicPr>
           <p:nvPr/>
         </p:nvPicPr>
-        <p:blipFill rotWithShape="1">
+        <p:blipFill>
           <a:blip r:embed="rId3"/>
-          <a:srcRect r="9759" b="14611"/>
-          <a:stretch/>
+          <a:stretch>
+            <a:fillRect/>
+          </a:stretch>
         </p:blipFill>
         <p:spPr>
           <a:xfrm>
-            <a:off x="1533031" y="3116202"/>
-            <a:ext cx="9125937" cy="3195698"/>
+            <a:off x="135714" y="3325179"/>
+            <a:ext cx="7286364" cy="3409217"/>
+          </a:xfrm>
+          <a:prstGeom prst="rect">
+            <a:avLst/>
+          </a:prstGeom>
+        </p:spPr>
+      </p:pic>
+      <p:pic>
+        <p:nvPicPr>
+          <p:cNvPr id="8" name="Afbeelding 7">
+            <a:extLst>
+              <a:ext uri="{FF2B5EF4-FFF2-40B4-BE49-F238E27FC236}">
+                <a16:creationId xmlns:a16="http://schemas.microsoft.com/office/drawing/2014/main" id="{7358BCDE-A7A3-4EB0-A8CC-AE30B73FABF2}"/>
+              </a:ext>
+            </a:extLst>
+          </p:cNvPr>
+          <p:cNvPicPr>
+            <a:picLocks noChangeAspect="1"/>
+          </p:cNvPicPr>
+          <p:nvPr/>
+        </p:nvPicPr>
+        <p:blipFill>
+          <a:blip r:embed="rId4"/>
+          <a:stretch>
+            <a:fillRect/>
+          </a:stretch>
+        </p:blipFill>
+        <p:spPr>
+          <a:xfrm>
+            <a:off x="7550207" y="2383058"/>
+            <a:ext cx="4506079" cy="4351338"/>
           </a:xfrm>
           <a:prstGeom prst="rect">
             <a:avLst/>
@@ -6668,31 +6698,49 @@
                 </a:solidFill>
                 <a:latin typeface="Noto Sans" panose="020B0502040504020204" pitchFamily="34" charset="0"/>
               </a:rPr>
-              <a:t>N</a:t>
+              <a:t>C</a:t>
             </a:r>
             <a:r>
               <a:rPr lang="nl-NL" b="1" dirty="0" err="1">
                 <a:latin typeface="Noto Sans" panose="020B0502040504020204" pitchFamily="34" charset="0"/>
               </a:rPr>
-              <a:t>amed</a:t>
+              <a:t>reated</a:t>
             </a:r>
             <a:r>
               <a:rPr lang="nl-NL" b="1" dirty="0">
                 <a:latin typeface="Noto Sans" panose="020B0502040504020204" pitchFamily="34" charset="0"/>
               </a:rPr>
-              <a:t> volumes </a:t>
+              <a:t> </a:t>
             </a:r>
             <a:r>
               <a:rPr lang="nl-NL" b="1" dirty="0" err="1">
                 <a:latin typeface="Noto Sans" panose="020B0502040504020204" pitchFamily="34" charset="0"/>
               </a:rPr>
-              <a:t>for</a:t>
+              <a:t>an</a:t>
             </a:r>
             <a:r>
               <a:rPr lang="nl-NL" b="1" dirty="0">
                 <a:latin typeface="Noto Sans" panose="020B0502040504020204" pitchFamily="34" charset="0"/>
               </a:rPr>
-              <a:t> persistent data</a:t>
+              <a:t> </a:t>
+            </a:r>
+            <a:r>
+              <a:rPr lang="nl-NL" b="1" dirty="0" err="1">
+                <a:latin typeface="Noto Sans" panose="020B0502040504020204" pitchFamily="34" charset="0"/>
+              </a:rPr>
+              <a:t>kubemanifests</a:t>
+            </a:r>
+            <a:r>
+              <a:rPr lang="nl-NL" b="1" dirty="0">
+                <a:latin typeface="Noto Sans" panose="020B0502040504020204" pitchFamily="34" charset="0"/>
+              </a:rPr>
+              <a:t> </a:t>
+            </a:r>
+            <a:r>
+              <a:rPr lang="nl-NL" b="1" dirty="0" err="1">
+                <a:latin typeface="Noto Sans" panose="020B0502040504020204" pitchFamily="34" charset="0"/>
+              </a:rPr>
+              <a:t>locally</a:t>
             </a:r>
             <a:endParaRPr lang="nl-NL" dirty="0"/>
           </a:p>
@@ -6704,13 +6752,13 @@
                 </a:solidFill>
                 <a:latin typeface="Noto Sans" panose="020B0502040504020204" pitchFamily="34" charset="0"/>
               </a:rPr>
-              <a:t>G</a:t>
+              <a:t>S</a:t>
             </a:r>
             <a:r>
               <a:rPr lang="nl-NL" b="1" dirty="0" err="1">
                 <a:latin typeface="Noto Sans" panose="020B0502040504020204" pitchFamily="34" charset="0"/>
               </a:rPr>
-              <a:t>rafana</a:t>
+              <a:t>tarted</a:t>
             </a:r>
             <a:r>
               <a:rPr lang="nl-NL" b="1" dirty="0">
@@ -6722,79 +6770,60 @@
               <a:rPr lang="nl-NL" b="1" dirty="0" err="1">
                 <a:latin typeface="Noto Sans" panose="020B0502040504020204" pitchFamily="34" charset="0"/>
               </a:rPr>
-              <a:t>for</a:t>
+              <a:t>working</a:t>
             </a:r>
             <a:r>
               <a:rPr lang="nl-NL" b="1" dirty="0">
                 <a:latin typeface="Noto Sans" panose="020B0502040504020204" pitchFamily="34" charset="0"/>
               </a:rPr>
-              <a:t> monitoring </a:t>
-            </a:r>
-          </a:p>
-          <a:p>
+              <a:t> on </a:t>
+            </a:r>
+            <a:r>
+              <a:rPr lang="nl-NL" b="1" dirty="0" err="1">
+                <a:latin typeface="Noto Sans" panose="020B0502040504020204" pitchFamily="34" charset="0"/>
+              </a:rPr>
+              <a:t>an</a:t>
+            </a:r>
             <a:r>
               <a:rPr lang="nl-NL" b="1" dirty="0">
-                <a:solidFill>
-                  <a:srgbClr val="FF0000"/>
-                </a:solidFill>
-                <a:latin typeface="Noto Sans" panose="020B0502040504020204" pitchFamily="34" charset="0"/>
-              </a:rPr>
-              <a:t>T</a:t>
+                <a:latin typeface="Noto Sans" panose="020B0502040504020204" pitchFamily="34" charset="0"/>
+              </a:rPr>
+              <a:t> </a:t>
+            </a:r>
+            <a:r>
+              <a:rPr lang="nl-NL" b="1" dirty="0" err="1">
+                <a:latin typeface="Noto Sans" panose="020B0502040504020204" pitchFamily="34" charset="0"/>
+              </a:rPr>
+              <a:t>Ingress</a:t>
             </a:r>
             <a:r>
               <a:rPr lang="nl-NL" b="1" dirty="0">
                 <a:latin typeface="Noto Sans" panose="020B0502040504020204" pitchFamily="34" charset="0"/>
               </a:rPr>
-              <a:t>he </a:t>
+              <a:t> </a:t>
             </a:r>
             <a:r>
               <a:rPr lang="nl-NL" b="1" dirty="0" err="1">
                 <a:latin typeface="Noto Sans" panose="020B0502040504020204" pitchFamily="34" charset="0"/>
               </a:rPr>
-              <a:t>usage</a:t>
+              <a:t>conntroller</a:t>
             </a:r>
             <a:r>
               <a:rPr lang="nl-NL" b="1" dirty="0">
                 <a:latin typeface="Noto Sans" panose="020B0502040504020204" pitchFamily="34" charset="0"/>
               </a:rPr>
-              <a:t> of </a:t>
-            </a:r>
-            <a:r>
-              <a:rPr lang="nl-NL" b="1" dirty="0" err="1">
-                <a:latin typeface="Noto Sans" panose="020B0502040504020204" pitchFamily="34" charset="0"/>
-              </a:rPr>
-              <a:t>docker</a:t>
-            </a:r>
-            <a:r>
-              <a:rPr lang="nl-NL" b="1" dirty="0">
-                <a:latin typeface="Noto Sans" panose="020B0502040504020204" pitchFamily="34" charset="0"/>
-              </a:rPr>
               <a:t> </a:t>
             </a:r>
-            <a:r>
-              <a:rPr lang="nl-NL" b="1" dirty="0" err="1">
-                <a:latin typeface="Noto Sans" panose="020B0502040504020204" pitchFamily="34" charset="0"/>
-              </a:rPr>
-              <a:t>Compose</a:t>
-            </a:r>
-            <a:r>
-              <a:rPr lang="nl-NL" b="1" dirty="0">
-                <a:latin typeface="Noto Sans" panose="020B0502040504020204" pitchFamily="34" charset="0"/>
-              </a:rPr>
-              <a:t> files</a:t>
-            </a:r>
-          </a:p>
-          <a:p>
             <a:endParaRPr lang="nl-NL" dirty="0"/>
           </a:p>
         </p:txBody>
       </p:sp>
       <p:pic>
         <p:nvPicPr>
-          <p:cNvPr id="9" name="Afbeelding 8">
+          <p:cNvPr id="10" name="Afbeelding 9">
             <a:extLst>
               <a:ext uri="{FF2B5EF4-FFF2-40B4-BE49-F238E27FC236}">
-                <a16:creationId xmlns:a16="http://schemas.microsoft.com/office/drawing/2014/main" id="{B5210674-E887-4633-8FF3-B9D517C73458}"/>
+                <a16:creationId xmlns:a16="http://schemas.microsoft.com/office/drawing/2014/main" id="{6505943A-75DB-4752-876C-04D74C8073D4}"/>
               </a:ext>
             </a:extLst>
           </p:cNvPr>
@@ -6811,8 +6840,8 @@
         </p:blipFill>
         <p:spPr>
           <a:xfrm>
-            <a:off x="2165619" y="3520578"/>
-            <a:ext cx="7860762" cy="2791322"/>
+            <a:off x="606268" y="2953987"/>
+            <a:ext cx="10979463" cy="3583420"/>
           </a:xfrm>
           <a:prstGeom prst="rect">
             <a:avLst/>
@@ -6945,7 +6974,7 @@
           </p:cNvPicPr>
           <p:nvPr/>
         </p:nvPicPr>
-        <p:blipFill>
+        <p:blipFill rotWithShape="1">
           <a:blip r:embed="rId3">
             <a:extLst>
               <a:ext uri="{28A0092B-C50C-407E-A947-70E740481C1C}">
@@ -6953,14 +6982,13 @@
               </a:ext>
             </a:extLst>
           </a:blip>
-          <a:stretch>
-            <a:fillRect/>
-          </a:stretch>
+          <a:srcRect t="30105"/>
+          <a:stretch/>
         </p:blipFill>
         <p:spPr>
           <a:xfrm>
-            <a:off x="1924833" y="1586902"/>
-            <a:ext cx="8342333" cy="4905973"/>
+            <a:off x="1303680" y="2237283"/>
+            <a:ext cx="9584640" cy="3939680"/>
           </a:xfrm>
           <a:prstGeom prst="rect">
             <a:avLst/>

--- a/Sprint presentations/Individual_Project-Sprint3.pptx
+++ b/Sprint presentations/Individual_Project-Sprint3.pptx
@@ -5,7 +5,7 @@
     <p:sldMasterId id="2147483660" r:id="rId1"/>
   </p:sldMasterIdLst>
   <p:notesMasterIdLst>
-    <p:notesMasterId r:id="rId12"/>
+    <p:notesMasterId r:id="rId13"/>
   </p:notesMasterIdLst>
   <p:sldIdLst>
     <p:sldId id="256" r:id="rId2"/>
@@ -16,8 +16,9 @@
     <p:sldId id="261" r:id="rId7"/>
     <p:sldId id="262" r:id="rId8"/>
     <p:sldId id="258" r:id="rId9"/>
-    <p:sldId id="266" r:id="rId10"/>
-    <p:sldId id="265" r:id="rId11"/>
+    <p:sldId id="267" r:id="rId10"/>
+    <p:sldId id="266" r:id="rId11"/>
+    <p:sldId id="265" r:id="rId12"/>
   </p:sldIdLst>
   <p:sldSz cx="12192000" cy="6858000"/>
   <p:notesSz cx="6858000" cy="9144000"/>
@@ -206,7 +207,7 @@
           <a:p>
             <a:fld id="{FFDD75D1-5100-4406-A47E-5CCD3D421B5D}" type="datetimeFigureOut">
               <a:rPr lang="nl-NL" smtClean="0"/>
-              <a:t>8-5-2022</a:t>
+              <a:t>11-5-2022</a:t>
             </a:fld>
             <a:endParaRPr lang="nl-NL"/>
           </a:p>
@@ -631,6 +632,90 @@
     </p:spTree>
     <p:extLst>
       <p:ext uri="{BB962C8B-B14F-4D97-AF65-F5344CB8AC3E}">
+        <p14:creationId xmlns:p14="http://schemas.microsoft.com/office/powerpoint/2010/main" val="2387931214"/>
+      </p:ext>
+    </p:extLst>
+  </p:cSld>
+  <p:clrMapOvr>
+    <a:masterClrMapping/>
+  </p:clrMapOvr>
+</p:notes>
+</file>
+
+<file path=ppt/notesSlides/notesSlide11.xml><?xml version="1.0" encoding="utf-8"?>
+<p:notes xmlns:a="http://schemas.openxmlformats.org/drawingml/2006/main" xmlns:r="http://schemas.openxmlformats.org/officeDocument/2006/relationships" xmlns:p="http://schemas.openxmlformats.org/presentationml/2006/main">
+  <p:cSld>
+    <p:spTree>
+      <p:nvGrpSpPr>
+        <p:cNvPr id="1" name=""/>
+        <p:cNvGrpSpPr/>
+        <p:nvPr/>
+      </p:nvGrpSpPr>
+      <p:grpSpPr>
+        <a:xfrm>
+          <a:off x="0" y="0"/>
+          <a:ext cx="0" cy="0"/>
+          <a:chOff x="0" y="0"/>
+          <a:chExt cx="0" cy="0"/>
+        </a:xfrm>
+      </p:grpSpPr>
+      <p:sp>
+        <p:nvSpPr>
+          <p:cNvPr id="2" name="Tijdelijke aanduiding voor dia-afbeelding 1"/>
+          <p:cNvSpPr>
+            <a:spLocks noGrp="1" noRot="1" noChangeAspect="1"/>
+          </p:cNvSpPr>
+          <p:nvPr>
+            <p:ph type="sldImg"/>
+          </p:nvPr>
+        </p:nvSpPr>
+        <p:spPr/>
+      </p:sp>
+      <p:sp>
+        <p:nvSpPr>
+          <p:cNvPr id="3" name="Tijdelijke aanduiding voor notities 2"/>
+          <p:cNvSpPr>
+            <a:spLocks noGrp="1"/>
+          </p:cNvSpPr>
+          <p:nvPr>
+            <p:ph type="body" idx="1"/>
+          </p:nvPr>
+        </p:nvSpPr>
+        <p:spPr/>
+        <p:txBody>
+          <a:bodyPr/>
+          <a:lstStyle/>
+          <a:p>
+            <a:endParaRPr lang="nl-NL" dirty="0"/>
+          </a:p>
+        </p:txBody>
+      </p:sp>
+      <p:sp>
+        <p:nvSpPr>
+          <p:cNvPr id="4" name="Tijdelijke aanduiding voor dianummer 3"/>
+          <p:cNvSpPr>
+            <a:spLocks noGrp="1"/>
+          </p:cNvSpPr>
+          <p:nvPr>
+            <p:ph type="sldNum" sz="quarter" idx="5"/>
+          </p:nvPr>
+        </p:nvSpPr>
+        <p:spPr/>
+        <p:txBody>
+          <a:bodyPr/>
+          <a:lstStyle/>
+          <a:p>
+            <a:fld id="{130F47B1-297B-474D-8E5C-0BE34F414AD5}" type="slidenum">
+              <a:rPr lang="nl-NL" smtClean="0"/>
+              <a:t>11</a:t>
+            </a:fld>
+            <a:endParaRPr lang="nl-NL"/>
+          </a:p>
+        </p:txBody>
+      </p:sp>
+    </p:spTree>
+    <p:extLst>
+      <p:ext uri="{BB962C8B-B14F-4D97-AF65-F5344CB8AC3E}">
         <p14:creationId xmlns:p14="http://schemas.microsoft.com/office/powerpoint/2010/main" val="2989199249"/>
       </p:ext>
     </p:extLst>
@@ -1363,7 +1448,7 @@
     </p:spTree>
     <p:extLst>
       <p:ext uri="{BB962C8B-B14F-4D97-AF65-F5344CB8AC3E}">
-        <p14:creationId xmlns:p14="http://schemas.microsoft.com/office/powerpoint/2010/main" val="2387931214"/>
+        <p14:creationId xmlns:p14="http://schemas.microsoft.com/office/powerpoint/2010/main" val="1472914498"/>
       </p:ext>
     </p:extLst>
   </p:cSld>
@@ -1504,7 +1589,7 @@
           <a:p>
             <a:fld id="{598579B7-6556-4B01-89C0-9D7E5718B023}" type="datetimeFigureOut">
               <a:rPr lang="nl-NL" smtClean="0"/>
-              <a:t>8-5-2022</a:t>
+              <a:t>11-5-2022</a:t>
             </a:fld>
             <a:endParaRPr lang="nl-NL"/>
           </a:p>
@@ -1674,7 +1759,7 @@
           <a:p>
             <a:fld id="{598579B7-6556-4B01-89C0-9D7E5718B023}" type="datetimeFigureOut">
               <a:rPr lang="nl-NL" smtClean="0"/>
-              <a:t>8-5-2022</a:t>
+              <a:t>11-5-2022</a:t>
             </a:fld>
             <a:endParaRPr lang="nl-NL"/>
           </a:p>
@@ -1854,7 +1939,7 @@
           <a:p>
             <a:fld id="{598579B7-6556-4B01-89C0-9D7E5718B023}" type="datetimeFigureOut">
               <a:rPr lang="nl-NL" smtClean="0"/>
-              <a:t>8-5-2022</a:t>
+              <a:t>11-5-2022</a:t>
             </a:fld>
             <a:endParaRPr lang="nl-NL"/>
           </a:p>
@@ -2024,7 +2109,7 @@
           <a:p>
             <a:fld id="{598579B7-6556-4B01-89C0-9D7E5718B023}" type="datetimeFigureOut">
               <a:rPr lang="nl-NL" smtClean="0"/>
-              <a:t>8-5-2022</a:t>
+              <a:t>11-5-2022</a:t>
             </a:fld>
             <a:endParaRPr lang="nl-NL"/>
           </a:p>
@@ -2270,7 +2355,7 @@
           <a:p>
             <a:fld id="{598579B7-6556-4B01-89C0-9D7E5718B023}" type="datetimeFigureOut">
               <a:rPr lang="nl-NL" smtClean="0"/>
-              <a:t>8-5-2022</a:t>
+              <a:t>11-5-2022</a:t>
             </a:fld>
             <a:endParaRPr lang="nl-NL"/>
           </a:p>
@@ -2502,7 +2587,7 @@
           <a:p>
             <a:fld id="{598579B7-6556-4B01-89C0-9D7E5718B023}" type="datetimeFigureOut">
               <a:rPr lang="nl-NL" smtClean="0"/>
-              <a:t>8-5-2022</a:t>
+              <a:t>11-5-2022</a:t>
             </a:fld>
             <a:endParaRPr lang="nl-NL"/>
           </a:p>
@@ -2869,7 +2954,7 @@
           <a:p>
             <a:fld id="{598579B7-6556-4B01-89C0-9D7E5718B023}" type="datetimeFigureOut">
               <a:rPr lang="nl-NL" smtClean="0"/>
-              <a:t>8-5-2022</a:t>
+              <a:t>11-5-2022</a:t>
             </a:fld>
             <a:endParaRPr lang="nl-NL"/>
           </a:p>
@@ -2987,7 +3072,7 @@
           <a:p>
             <a:fld id="{598579B7-6556-4B01-89C0-9D7E5718B023}" type="datetimeFigureOut">
               <a:rPr lang="nl-NL" smtClean="0"/>
-              <a:t>8-5-2022</a:t>
+              <a:t>11-5-2022</a:t>
             </a:fld>
             <a:endParaRPr lang="nl-NL"/>
           </a:p>
@@ -3082,7 +3167,7 @@
           <a:p>
             <a:fld id="{598579B7-6556-4B01-89C0-9D7E5718B023}" type="datetimeFigureOut">
               <a:rPr lang="nl-NL" smtClean="0"/>
-              <a:t>8-5-2022</a:t>
+              <a:t>11-5-2022</a:t>
             </a:fld>
             <a:endParaRPr lang="nl-NL"/>
           </a:p>
@@ -3359,7 +3444,7 @@
           <a:p>
             <a:fld id="{598579B7-6556-4B01-89C0-9D7E5718B023}" type="datetimeFigureOut">
               <a:rPr lang="nl-NL" smtClean="0"/>
-              <a:t>8-5-2022</a:t>
+              <a:t>11-5-2022</a:t>
             </a:fld>
             <a:endParaRPr lang="nl-NL"/>
           </a:p>
@@ -3616,7 +3701,7 @@
           <a:p>
             <a:fld id="{598579B7-6556-4B01-89C0-9D7E5718B023}" type="datetimeFigureOut">
               <a:rPr lang="nl-NL" smtClean="0"/>
-              <a:t>8-5-2022</a:t>
+              <a:t>11-5-2022</a:t>
             </a:fld>
             <a:endParaRPr lang="nl-NL"/>
           </a:p>
@@ -3829,7 +3914,7 @@
           <a:p>
             <a:fld id="{598579B7-6556-4B01-89C0-9D7E5718B023}" type="datetimeFigureOut">
               <a:rPr lang="nl-NL" smtClean="0"/>
-              <a:t>8-5-2022</a:t>
+              <a:t>11-5-2022</a:t>
             </a:fld>
             <a:endParaRPr lang="nl-NL"/>
           </a:p>
@@ -4671,33 +4756,27 @@
         <p:spPr/>
         <p:txBody>
           <a:bodyPr>
-            <a:normAutofit fontScale="90000"/>
+            <a:normAutofit/>
           </a:bodyPr>
           <a:lstStyle/>
           <a:p>
             <a:r>
-              <a:rPr lang="nl-NL" sz="5400" b="1" i="0" dirty="0">
+              <a:rPr lang="nl-NL" sz="5400" b="1" i="0" dirty="0" err="1">
                 <a:solidFill>
                   <a:srgbClr val="FF0000"/>
                 </a:solidFill>
                 <a:effectLst/>
                 <a:latin typeface="Bebas Neue" panose="020B0606020202050201" pitchFamily="34" charset="0"/>
               </a:rPr>
-              <a:t>N</a:t>
-            </a:r>
-            <a:r>
-              <a:rPr lang="nl-NL" sz="5400" b="1" i="0" dirty="0">
+              <a:t>R</a:t>
+            </a:r>
+            <a:r>
+              <a:rPr lang="nl-NL" sz="5400" b="1" i="0" dirty="0" err="1">
                 <a:effectLst/>
                 <a:latin typeface="Bebas Neue" panose="020B0606020202050201" pitchFamily="34" charset="0"/>
               </a:rPr>
-              <a:t>ext steps</a:t>
-            </a:r>
-            <a:br>
-              <a:rPr lang="nl-NL" sz="5400" b="1" i="0" dirty="0">
-                <a:effectLst/>
-                <a:latin typeface="Bebas Neue" panose="020B0606020202050201" pitchFamily="34" charset="0"/>
-              </a:rPr>
-            </a:br>
+              <a:t>oadmap</a:t>
+            </a:r>
             <a:endParaRPr lang="nl-NL" sz="5400" b="1" i="0" dirty="0">
               <a:effectLst/>
               <a:latin typeface="Bebas Neue" panose="020B0606020202050201" pitchFamily="34" charset="0"/>
@@ -4721,6 +4800,159 @@
             <p:ph idx="1"/>
           </p:nvPr>
         </p:nvSpPr>
+        <p:spPr/>
+        <p:txBody>
+          <a:bodyPr>
+            <a:normAutofit/>
+          </a:bodyPr>
+          <a:lstStyle/>
+          <a:p>
+            <a:endParaRPr lang="nl-NL" b="1" u="sng" dirty="0">
+              <a:latin typeface="Noto Sans" panose="020B0502040504020204" pitchFamily="34" charset="0"/>
+            </a:endParaRPr>
+          </a:p>
+          <a:p>
+            <a:endParaRPr lang="nl-NL" dirty="0"/>
+          </a:p>
+          <a:p>
+            <a:endParaRPr lang="nl-NL" dirty="0"/>
+          </a:p>
+        </p:txBody>
+      </p:sp>
+      <p:pic>
+        <p:nvPicPr>
+          <p:cNvPr id="6" name="Picture 5" descr="Diagram&#10;&#10;Description automatically generated">
+            <a:extLst>
+              <a:ext uri="{FF2B5EF4-FFF2-40B4-BE49-F238E27FC236}">
+                <a16:creationId xmlns:a16="http://schemas.microsoft.com/office/drawing/2014/main" id="{586A2727-C6EE-476E-9939-85F49C666D64}"/>
+              </a:ext>
+            </a:extLst>
+          </p:cNvPr>
+          <p:cNvPicPr>
+            <a:picLocks noChangeAspect="1"/>
+          </p:cNvPicPr>
+          <p:nvPr/>
+        </p:nvPicPr>
+        <p:blipFill rotWithShape="1">
+          <a:blip r:embed="rId3">
+            <a:extLst>
+              <a:ext uri="{28A0092B-C50C-407E-A947-70E740481C1C}">
+                <a14:useLocalDpi xmlns:a14="http://schemas.microsoft.com/office/drawing/2010/main" val="0"/>
+              </a:ext>
+            </a:extLst>
+          </a:blip>
+          <a:srcRect t="30105"/>
+          <a:stretch/>
+        </p:blipFill>
+        <p:spPr>
+          <a:xfrm>
+            <a:off x="1303680" y="2237283"/>
+            <a:ext cx="9584640" cy="3939680"/>
+          </a:xfrm>
+          <a:prstGeom prst="rect">
+            <a:avLst/>
+          </a:prstGeom>
+        </p:spPr>
+      </p:pic>
+    </p:spTree>
+    <p:extLst>
+      <p:ext uri="{BB962C8B-B14F-4D97-AF65-F5344CB8AC3E}">
+        <p14:creationId xmlns:p14="http://schemas.microsoft.com/office/powerpoint/2010/main" val="2195718354"/>
+      </p:ext>
+    </p:extLst>
+  </p:cSld>
+  <p:clrMapOvr>
+    <a:masterClrMapping/>
+  </p:clrMapOvr>
+</p:sld>
+</file>
+
+<file path=ppt/slides/slide11.xml><?xml version="1.0" encoding="utf-8"?>
+<p:sld xmlns:a="http://schemas.openxmlformats.org/drawingml/2006/main" xmlns:r="http://schemas.openxmlformats.org/officeDocument/2006/relationships" xmlns:p="http://schemas.openxmlformats.org/presentationml/2006/main">
+  <p:cSld>
+    <p:spTree>
+      <p:nvGrpSpPr>
+        <p:cNvPr id="1" name=""/>
+        <p:cNvGrpSpPr/>
+        <p:nvPr/>
+      </p:nvGrpSpPr>
+      <p:grpSpPr>
+        <a:xfrm>
+          <a:off x="0" y="0"/>
+          <a:ext cx="0" cy="0"/>
+          <a:chOff x="0" y="0"/>
+          <a:chExt cx="0" cy="0"/>
+        </a:xfrm>
+      </p:grpSpPr>
+      <p:sp>
+        <p:nvSpPr>
+          <p:cNvPr id="2" name="Titel 1">
+            <a:extLst>
+              <a:ext uri="{FF2B5EF4-FFF2-40B4-BE49-F238E27FC236}">
+                <a16:creationId xmlns:a16="http://schemas.microsoft.com/office/drawing/2014/main" id="{AD1C8C8A-5F25-4925-BE14-6AC1F72F6E34}"/>
+              </a:ext>
+            </a:extLst>
+          </p:cNvPr>
+          <p:cNvSpPr>
+            <a:spLocks noGrp="1"/>
+          </p:cNvSpPr>
+          <p:nvPr>
+            <p:ph type="title"/>
+          </p:nvPr>
+        </p:nvSpPr>
+        <p:spPr/>
+        <p:txBody>
+          <a:bodyPr>
+            <a:normAutofit fontScale="90000"/>
+          </a:bodyPr>
+          <a:lstStyle/>
+          <a:p>
+            <a:r>
+              <a:rPr lang="nl-NL" sz="5400" b="1" i="0" dirty="0">
+                <a:solidFill>
+                  <a:srgbClr val="FF0000"/>
+                </a:solidFill>
+                <a:effectLst/>
+                <a:latin typeface="Bebas Neue" panose="020B0606020202050201" pitchFamily="34" charset="0"/>
+              </a:rPr>
+              <a:t>N</a:t>
+            </a:r>
+            <a:r>
+              <a:rPr lang="nl-NL" sz="5400" b="1" i="0" dirty="0">
+                <a:effectLst/>
+                <a:latin typeface="Bebas Neue" panose="020B0606020202050201" pitchFamily="34" charset="0"/>
+              </a:rPr>
+              <a:t>ext steps</a:t>
+            </a:r>
+            <a:br>
+              <a:rPr lang="nl-NL" sz="5400" b="1" i="0" dirty="0">
+                <a:effectLst/>
+                <a:latin typeface="Bebas Neue" panose="020B0606020202050201" pitchFamily="34" charset="0"/>
+              </a:rPr>
+            </a:br>
+            <a:endParaRPr lang="nl-NL" sz="5400" b="1" i="0" dirty="0">
+              <a:effectLst/>
+              <a:latin typeface="Bebas Neue" panose="020B0606020202050201" pitchFamily="34" charset="0"/>
+            </a:endParaRPr>
+          </a:p>
+        </p:txBody>
+      </p:sp>
+      <p:sp>
+        <p:nvSpPr>
+          <p:cNvPr id="3" name="Tijdelijke aanduiding voor inhoud 2">
+            <a:extLst>
+              <a:ext uri="{FF2B5EF4-FFF2-40B4-BE49-F238E27FC236}">
+                <a16:creationId xmlns:a16="http://schemas.microsoft.com/office/drawing/2014/main" id="{AE5CE085-1A10-4153-BDF7-78303D40A411}"/>
+              </a:ext>
+            </a:extLst>
+          </p:cNvPr>
+          <p:cNvSpPr>
+            <a:spLocks noGrp="1"/>
+          </p:cNvSpPr>
+          <p:nvPr>
+            <p:ph idx="1"/>
+          </p:nvPr>
+        </p:nvSpPr>
         <p:spPr>
           <a:xfrm>
             <a:off x="838200" y="1800912"/>
@@ -4778,6 +5010,108 @@
               </a:rPr>
               <a:t> </a:t>
             </a:r>
+            <a:r>
+              <a:rPr lang="nl-NL" b="1" u="sng" dirty="0" err="1">
+                <a:latin typeface="Noto Sans" panose="020B0502040504020204" pitchFamily="34" charset="0"/>
+              </a:rPr>
+              <a:t>to</a:t>
+            </a:r>
+            <a:r>
+              <a:rPr lang="nl-NL" b="1" u="sng" dirty="0">
+                <a:latin typeface="Noto Sans" panose="020B0502040504020204" pitchFamily="34" charset="0"/>
+              </a:rPr>
+              <a:t> </a:t>
+            </a:r>
+            <a:r>
+              <a:rPr lang="nl-NL" b="1" u="sng" dirty="0" err="1">
+                <a:latin typeface="Noto Sans" panose="020B0502040504020204" pitchFamily="34" charset="0"/>
+              </a:rPr>
+              <a:t>Azure</a:t>
+            </a:r>
+            <a:r>
+              <a:rPr lang="nl-NL" b="1" u="sng" dirty="0">
+                <a:latin typeface="Noto Sans" panose="020B0502040504020204" pitchFamily="34" charset="0"/>
+              </a:rPr>
+              <a:t> (Or personal server)</a:t>
+            </a:r>
+          </a:p>
+          <a:p>
+            <a:r>
+              <a:rPr lang="nl-NL" b="1" i="0" dirty="0" err="1">
+                <a:solidFill>
+                  <a:srgbClr val="FF0000"/>
+                </a:solidFill>
+                <a:effectLst/>
+                <a:latin typeface="Noto Sans" panose="020B0502040504020204" pitchFamily="34" charset="0"/>
+              </a:rPr>
+              <a:t>A</a:t>
+            </a:r>
+            <a:r>
+              <a:rPr lang="nl-NL" b="1" i="0" dirty="0" err="1">
+                <a:effectLst/>
+                <a:latin typeface="Noto Sans" panose="020B0502040504020204" pitchFamily="34" charset="0"/>
+              </a:rPr>
+              <a:t>dding</a:t>
+            </a:r>
+            <a:r>
+              <a:rPr lang="nl-NL" b="1" i="0" dirty="0">
+                <a:effectLst/>
+                <a:latin typeface="Noto Sans" panose="020B0502040504020204" pitchFamily="34" charset="0"/>
+              </a:rPr>
+              <a:t> Unit </a:t>
+            </a:r>
+            <a:r>
+              <a:rPr lang="nl-NL" b="1" i="0" dirty="0" err="1">
+                <a:effectLst/>
+                <a:latin typeface="Noto Sans" panose="020B0502040504020204" pitchFamily="34" charset="0"/>
+              </a:rPr>
+              <a:t>to</a:t>
+            </a:r>
+            <a:r>
+              <a:rPr lang="nl-NL" b="1" i="0" dirty="0">
+                <a:effectLst/>
+                <a:latin typeface="Noto Sans" panose="020B0502040504020204" pitchFamily="34" charset="0"/>
+              </a:rPr>
+              <a:t> </a:t>
+            </a:r>
+            <a:r>
+              <a:rPr lang="nl-NL" b="1" i="0" dirty="0" err="1">
+                <a:effectLst/>
+                <a:latin typeface="Noto Sans" panose="020B0502040504020204" pitchFamily="34" charset="0"/>
+              </a:rPr>
+              <a:t>the</a:t>
+            </a:r>
+            <a:r>
+              <a:rPr lang="nl-NL" b="1" i="0" dirty="0">
+                <a:effectLst/>
+                <a:latin typeface="Noto Sans" panose="020B0502040504020204" pitchFamily="34" charset="0"/>
+              </a:rPr>
+              <a:t> CI/CD pipeline </a:t>
+            </a:r>
+            <a:r>
+              <a:rPr lang="nl-NL" b="1" i="0" dirty="0" err="1">
+                <a:effectLst/>
+                <a:latin typeface="Noto Sans" panose="020B0502040504020204" pitchFamily="34" charset="0"/>
+              </a:rPr>
+              <a:t>and</a:t>
+            </a:r>
+            <a:r>
+              <a:rPr lang="nl-NL" b="1" i="0" dirty="0">
+                <a:effectLst/>
+                <a:latin typeface="Noto Sans" panose="020B0502040504020204" pitchFamily="34" charset="0"/>
+              </a:rPr>
+              <a:t> </a:t>
+            </a:r>
+            <a:r>
+              <a:rPr lang="nl-NL" b="1" i="0" dirty="0" err="1">
+                <a:effectLst/>
+                <a:latin typeface="Noto Sans" panose="020B0502040504020204" pitchFamily="34" charset="0"/>
+              </a:rPr>
+              <a:t>Sonarcloud</a:t>
+            </a:r>
+            <a:endParaRPr lang="nl-NL" b="1" u="sng" dirty="0">
+              <a:latin typeface="Noto Sans" panose="020B0502040504020204" pitchFamily="34" charset="0"/>
+            </a:endParaRPr>
           </a:p>
           <a:p>
             <a:r>
@@ -5195,52 +5529,32 @@
       </p:sp>
       <p:pic>
         <p:nvPicPr>
-          <p:cNvPr id="6" name="Picture 2" descr="Create a Netflix clone from Scratch: JavaScript PHP + MySQL - DEV Community">
+          <p:cNvPr id="5" name="Afbeelding 4">
             <a:extLst>
               <a:ext uri="{FF2B5EF4-FFF2-40B4-BE49-F238E27FC236}">
-                <a16:creationId xmlns:a16="http://schemas.microsoft.com/office/drawing/2014/main" id="{1A6AC1C5-B9C6-4D93-BFF5-D7C1D4E81E3C}"/>
+                <a16:creationId xmlns:a16="http://schemas.microsoft.com/office/drawing/2014/main" id="{58347DE3-38EC-47A5-AA0D-BA5009D30A5E}"/>
               </a:ext>
             </a:extLst>
           </p:cNvPr>
           <p:cNvPicPr>
-            <a:picLocks noChangeAspect="1" noChangeArrowheads="1"/>
+            <a:picLocks noChangeAspect="1"/>
           </p:cNvPicPr>
           <p:nvPr/>
         </p:nvPicPr>
         <p:blipFill>
-          <a:blip r:embed="rId3">
-            <a:extLst>
-              <a:ext uri="{28A0092B-C50C-407E-A947-70E740481C1C}">
-                <a14:useLocalDpi xmlns:a14="http://schemas.microsoft.com/office/drawing/2010/main" val="0"/>
-              </a:ext>
-            </a:extLst>
-          </a:blip>
-          <a:srcRect/>
+          <a:blip r:embed="rId3"/>
           <a:stretch>
             <a:fillRect/>
           </a:stretch>
         </p:blipFill>
-        <p:spPr bwMode="auto">
+        <p:spPr>
           <a:xfrm>
-            <a:off x="7158682" y="4001294"/>
-            <a:ext cx="4901884" cy="2757310"/>
+            <a:off x="7643272" y="3562598"/>
+            <a:ext cx="4548728" cy="3131834"/>
           </a:xfrm>
           <a:prstGeom prst="rect">
             <a:avLst/>
           </a:prstGeom>
-          <a:noFill/>
-          <a:effectLst>
-            <a:softEdge rad="25400"/>
-          </a:effectLst>
-          <a:extLst>
-            <a:ext uri="{909E8E84-426E-40DD-AFC4-6F175D3DCCD1}">
-              <a14:hiddenFill xmlns:a14="http://schemas.microsoft.com/office/drawing/2010/main">
-                <a:solidFill>
-                  <a:srgbClr val="FFFFFF"/>
-                </a:solidFill>
-              </a14:hiddenFill>
-            </a:ext>
-          </a:extLst>
         </p:spPr>
       </p:pic>
     </p:spTree>
@@ -6289,14 +6603,14 @@
                 <a:effectLst/>
                 <a:latin typeface="Noto Sans" panose="020B0502040504020204" pitchFamily="34" charset="0"/>
               </a:rPr>
-              <a:t>I</a:t>
+              <a:t>A</a:t>
             </a:r>
             <a:r>
               <a:rPr lang="nl-NL" b="1" i="0" dirty="0" err="1">
                 <a:effectLst/>
                 <a:latin typeface="Noto Sans" panose="020B0502040504020204" pitchFamily="34" charset="0"/>
               </a:rPr>
-              <a:t>mproved</a:t>
+              <a:t>dded</a:t>
             </a:r>
             <a:r>
               <a:rPr lang="nl-NL" b="1" i="0" dirty="0">
@@ -6310,6 +6624,34 @@
                 <a:effectLst/>
                 <a:latin typeface="Noto Sans" panose="020B0502040504020204" pitchFamily="34" charset="0"/>
               </a:rPr>
+              <a:t>SonarCloud</a:t>
+            </a:r>
+            <a:r>
+              <a:rPr lang="nl-NL" b="1" i="0" dirty="0">
+                <a:effectLst/>
+                <a:latin typeface="Noto Sans" panose="020B0502040504020204" pitchFamily="34" charset="0"/>
+              </a:rPr>
+              <a:t> </a:t>
+            </a:r>
+            <a:r>
+              <a:rPr lang="nl-NL" b="1" i="0" dirty="0" err="1">
+                <a:effectLst/>
+                <a:latin typeface="Noto Sans" panose="020B0502040504020204" pitchFamily="34" charset="0"/>
+              </a:rPr>
+              <a:t>to</a:t>
+            </a:r>
+            <a:r>
+              <a:rPr lang="nl-NL" b="1" i="0" dirty="0">
+                <a:effectLst/>
+                <a:latin typeface="Noto Sans" panose="020B0502040504020204" pitchFamily="34" charset="0"/>
+              </a:rPr>
+              <a:t> </a:t>
+            </a:r>
+            <a:r>
+              <a:rPr lang="nl-NL" b="1" i="0" dirty="0" err="1">
+                <a:effectLst/>
+                <a:latin typeface="Noto Sans" panose="020B0502040504020204" pitchFamily="34" charset="0"/>
+              </a:rPr>
               <a:t>the</a:t>
             </a:r>
             <a:r>
@@ -6317,14 +6659,8 @@
                 <a:effectLst/>
                 <a:latin typeface="Noto Sans" panose="020B0502040504020204" pitchFamily="34" charset="0"/>
               </a:rPr>
-              <a:t> C2 model </a:t>
-            </a:r>
-          </a:p>
-          <a:p>
-            <a:pPr>
-              <a:buFontTx/>
-              <a:buChar char="-"/>
-            </a:pPr>
+              <a:t> CI/CD pipeline</a:t>
+            </a:r>
             <a:endParaRPr lang="nl-NL" sz="2800" b="1" i="0" dirty="0">
               <a:effectLst/>
               <a:latin typeface="Noto Sans" panose="020B0502040504020204" pitchFamily="34" charset="0"/>
@@ -6343,10 +6679,10 @@
       </p:sp>
       <p:pic>
         <p:nvPicPr>
-          <p:cNvPr id="7" name="Afbeelding 6">
+          <p:cNvPr id="5" name="Afbeelding 4">
             <a:extLst>
               <a:ext uri="{FF2B5EF4-FFF2-40B4-BE49-F238E27FC236}">
-                <a16:creationId xmlns:a16="http://schemas.microsoft.com/office/drawing/2014/main" id="{86F67755-C96E-444E-9B4C-6CD1A0727547}"/>
+                <a16:creationId xmlns:a16="http://schemas.microsoft.com/office/drawing/2014/main" id="{C88B3E7B-E974-423B-9549-E9AA3449C78A}"/>
               </a:ext>
             </a:extLst>
           </p:cNvPr>
@@ -6356,20 +6692,44 @@
           <p:nvPr/>
         </p:nvPicPr>
         <p:blipFill rotWithShape="1">
-          <a:blip r:embed="rId3">
-            <a:extLst>
-              <a:ext uri="{28A0092B-C50C-407E-A947-70E740481C1C}">
-                <a14:useLocalDpi xmlns:a14="http://schemas.microsoft.com/office/drawing/2010/main" val="0"/>
-              </a:ext>
-            </a:extLst>
-          </a:blip>
-          <a:srcRect l="15465" t="15463" b="5766"/>
+          <a:blip r:embed="rId3"/>
+          <a:srcRect l="34344"/>
           <a:stretch/>
         </p:blipFill>
         <p:spPr>
           <a:xfrm>
-            <a:off x="2414465" y="2813557"/>
-            <a:ext cx="7363069" cy="3679318"/>
+            <a:off x="5177643" y="2542499"/>
+            <a:ext cx="6729350" cy="4206581"/>
+          </a:xfrm>
+          <a:prstGeom prst="rect">
+            <a:avLst/>
+          </a:prstGeom>
+        </p:spPr>
+      </p:pic>
+      <p:pic>
+        <p:nvPicPr>
+          <p:cNvPr id="8" name="Afbeelding 7">
+            <a:extLst>
+              <a:ext uri="{FF2B5EF4-FFF2-40B4-BE49-F238E27FC236}">
+                <a16:creationId xmlns:a16="http://schemas.microsoft.com/office/drawing/2014/main" id="{781D736C-0E89-4AA1-8009-6A0AC4B2BBD3}"/>
+              </a:ext>
+            </a:extLst>
+          </p:cNvPr>
+          <p:cNvPicPr>
+            <a:picLocks noChangeAspect="1"/>
+          </p:cNvPicPr>
+          <p:nvPr/>
+        </p:nvPicPr>
+        <p:blipFill>
+          <a:blip r:embed="rId4"/>
+          <a:stretch>
+            <a:fillRect/>
+          </a:stretch>
+        </p:blipFill>
+        <p:spPr>
+          <a:xfrm>
+            <a:off x="391885" y="2542498"/>
+            <a:ext cx="4493052" cy="4206582"/>
           </a:xfrm>
           <a:prstGeom prst="rect">
             <a:avLst/>
@@ -6521,6 +6881,81 @@
             </a:r>
           </a:p>
           <a:p>
+            <a:r>
+              <a:rPr lang="nl-NL" b="1" dirty="0" err="1">
+                <a:solidFill>
+                  <a:srgbClr val="FF0000"/>
+                </a:solidFill>
+                <a:latin typeface="Noto Sans" panose="020B0502040504020204" pitchFamily="34" charset="0"/>
+              </a:rPr>
+              <a:t>A</a:t>
+            </a:r>
+            <a:r>
+              <a:rPr lang="nl-NL" b="1" dirty="0" err="1">
+                <a:latin typeface="Noto Sans" panose="020B0502040504020204" pitchFamily="34" charset="0"/>
+              </a:rPr>
+              <a:t>dded</a:t>
+            </a:r>
+            <a:r>
+              <a:rPr lang="nl-NL" b="1" dirty="0">
+                <a:latin typeface="Noto Sans" panose="020B0502040504020204" pitchFamily="34" charset="0"/>
+              </a:rPr>
+              <a:t> </a:t>
+            </a:r>
+            <a:r>
+              <a:rPr lang="nl-NL" b="1" dirty="0" err="1">
+                <a:latin typeface="Noto Sans" panose="020B0502040504020204" pitchFamily="34" charset="0"/>
+              </a:rPr>
+              <a:t>the</a:t>
+            </a:r>
+            <a:r>
+              <a:rPr lang="nl-NL" b="1" dirty="0">
+                <a:latin typeface="Noto Sans" panose="020B0502040504020204" pitchFamily="34" charset="0"/>
+              </a:rPr>
+              <a:t> OWSP Analysis  </a:t>
+            </a:r>
+          </a:p>
+          <a:p>
+            <a:r>
+              <a:rPr lang="nl-NL" b="1" dirty="0" err="1">
+                <a:solidFill>
+                  <a:srgbClr val="FF0000"/>
+                </a:solidFill>
+                <a:latin typeface="Noto Sans" panose="020B0502040504020204" pitchFamily="34" charset="0"/>
+              </a:rPr>
+              <a:t>A</a:t>
+            </a:r>
+            <a:r>
+              <a:rPr lang="nl-NL" b="1" dirty="0" err="1">
+                <a:latin typeface="Noto Sans" panose="020B0502040504020204" pitchFamily="34" charset="0"/>
+              </a:rPr>
+              <a:t>dded</a:t>
+            </a:r>
+            <a:r>
+              <a:rPr lang="nl-NL" b="1" dirty="0">
+                <a:latin typeface="Noto Sans" panose="020B0502040504020204" pitchFamily="34" charset="0"/>
+              </a:rPr>
+              <a:t> data </a:t>
+            </a:r>
+            <a:r>
+              <a:rPr lang="nl-NL" b="1" dirty="0" err="1">
+                <a:latin typeface="Noto Sans" panose="020B0502040504020204" pitchFamily="34" charset="0"/>
+              </a:rPr>
+              <a:t>complexity</a:t>
+            </a:r>
+            <a:r>
+              <a:rPr lang="nl-NL" b="1" dirty="0">
+                <a:latin typeface="Noto Sans" panose="020B0502040504020204" pitchFamily="34" charset="0"/>
+              </a:rPr>
+              <a:t> Analysis  </a:t>
+            </a:r>
+          </a:p>
+          <a:p>
+            <a:endParaRPr lang="nl-NL" b="1" dirty="0">
+              <a:latin typeface="Noto Sans" panose="020B0502040504020204" pitchFamily="34" charset="0"/>
+            </a:endParaRPr>
+          </a:p>
+          <a:p>
             <a:pPr marL="0" indent="0">
               <a:buNone/>
             </a:pPr>
@@ -6550,8 +6985,8 @@
         </p:blipFill>
         <p:spPr>
           <a:xfrm>
-            <a:off x="135714" y="3325179"/>
-            <a:ext cx="7286364" cy="3409217"/>
+            <a:off x="408846" y="3429000"/>
+            <a:ext cx="7001356" cy="3275865"/>
           </a:xfrm>
           <a:prstGeom prst="rect">
             <a:avLst/>
@@ -6752,13 +7187,13 @@
                 </a:solidFill>
                 <a:latin typeface="Noto Sans" panose="020B0502040504020204" pitchFamily="34" charset="0"/>
               </a:rPr>
-              <a:t>S</a:t>
+              <a:t>A</a:t>
             </a:r>
             <a:r>
               <a:rPr lang="nl-NL" b="1" dirty="0" err="1">
                 <a:latin typeface="Noto Sans" panose="020B0502040504020204" pitchFamily="34" charset="0"/>
               </a:rPr>
-              <a:t>tarted</a:t>
+              <a:t>dded</a:t>
             </a:r>
             <a:r>
               <a:rPr lang="nl-NL" b="1" dirty="0">
@@ -6770,19 +7205,19 @@
               <a:rPr lang="nl-NL" b="1" dirty="0" err="1">
                 <a:latin typeface="Noto Sans" panose="020B0502040504020204" pitchFamily="34" charset="0"/>
               </a:rPr>
-              <a:t>working</a:t>
+              <a:t>an</a:t>
             </a:r>
             <a:r>
               <a:rPr lang="nl-NL" b="1" dirty="0">
                 <a:latin typeface="Noto Sans" panose="020B0502040504020204" pitchFamily="34" charset="0"/>
               </a:rPr>
-              <a:t> on </a:t>
+              <a:t> </a:t>
             </a:r>
             <a:r>
               <a:rPr lang="nl-NL" b="1" dirty="0" err="1">
                 <a:latin typeface="Noto Sans" panose="020B0502040504020204" pitchFamily="34" charset="0"/>
               </a:rPr>
-              <a:t>an</a:t>
+              <a:t>Ingress</a:t>
             </a:r>
             <a:r>
               <a:rPr lang="nl-NL" b="1" dirty="0">
@@ -6794,7 +7229,7 @@
               <a:rPr lang="nl-NL" b="1" dirty="0" err="1">
                 <a:latin typeface="Noto Sans" panose="020B0502040504020204" pitchFamily="34" charset="0"/>
               </a:rPr>
-              <a:t>Ingress</a:t>
+              <a:t>conntroller</a:t>
             </a:r>
             <a:r>
               <a:rPr lang="nl-NL" b="1" dirty="0">
@@ -6806,24 +7241,135 @@
               <a:rPr lang="nl-NL" b="1" dirty="0" err="1">
                 <a:latin typeface="Noto Sans" panose="020B0502040504020204" pitchFamily="34" charset="0"/>
               </a:rPr>
-              <a:t>conntroller</a:t>
+              <a:t>and</a:t>
             </a:r>
             <a:r>
               <a:rPr lang="nl-NL" b="1" dirty="0">
                 <a:latin typeface="Noto Sans" panose="020B0502040504020204" pitchFamily="34" charset="0"/>
               </a:rPr>
+              <a:t> services</a:t>
+            </a:r>
+          </a:p>
+          <a:p>
+            <a:r>
+              <a:rPr lang="nl-NL" b="1" dirty="0" err="1">
+                <a:solidFill>
+                  <a:srgbClr val="FF0000"/>
+                </a:solidFill>
+                <a:latin typeface="Noto Sans" panose="020B0502040504020204" pitchFamily="34" charset="0"/>
+              </a:rPr>
+              <a:t>A</a:t>
+            </a:r>
+            <a:r>
+              <a:rPr lang="nl-NL" b="1" dirty="0" err="1">
+                <a:latin typeface="Noto Sans" panose="020B0502040504020204" pitchFamily="34" charset="0"/>
+              </a:rPr>
+              <a:t>dded</a:t>
+            </a:r>
+            <a:r>
+              <a:rPr lang="nl-NL" b="1" dirty="0">
+                <a:latin typeface="Noto Sans" panose="020B0502040504020204" pitchFamily="34" charset="0"/>
+              </a:rPr>
               <a:t> </a:t>
             </a:r>
-            <a:endParaRPr lang="nl-NL" dirty="0"/>
+            <a:r>
+              <a:rPr lang="nl-NL" b="1" dirty="0" err="1">
+                <a:latin typeface="Noto Sans" panose="020B0502040504020204" pitchFamily="34" charset="0"/>
+              </a:rPr>
+              <a:t>secrets</a:t>
+            </a:r>
+            <a:r>
+              <a:rPr lang="nl-NL" b="1" dirty="0">
+                <a:latin typeface="Noto Sans" panose="020B0502040504020204" pitchFamily="34" charset="0"/>
+              </a:rPr>
+              <a:t> </a:t>
+            </a:r>
+            <a:r>
+              <a:rPr lang="nl-NL" b="1" dirty="0" err="1">
+                <a:latin typeface="Noto Sans" panose="020B0502040504020204" pitchFamily="34" charset="0"/>
+              </a:rPr>
+              <a:t>and</a:t>
+            </a:r>
+            <a:r>
+              <a:rPr lang="nl-NL" b="1" dirty="0">
+                <a:latin typeface="Noto Sans" panose="020B0502040504020204" pitchFamily="34" charset="0"/>
+              </a:rPr>
+              <a:t> </a:t>
+            </a:r>
+            <a:r>
+              <a:rPr lang="nl-NL" b="1" dirty="0" err="1">
+                <a:latin typeface="Noto Sans" panose="020B0502040504020204" pitchFamily="34" charset="0"/>
+              </a:rPr>
+              <a:t>configmaps</a:t>
+            </a:r>
+            <a:endParaRPr lang="nl-NL" b="1" dirty="0">
+              <a:latin typeface="Noto Sans" panose="020B0502040504020204" pitchFamily="34" charset="0"/>
+            </a:endParaRPr>
+          </a:p>
+          <a:p>
+            <a:r>
+              <a:rPr lang="nl-NL" b="1" dirty="0" err="1">
+                <a:solidFill>
+                  <a:srgbClr val="FF0000"/>
+                </a:solidFill>
+                <a:latin typeface="Noto Sans" panose="020B0502040504020204" pitchFamily="34" charset="0"/>
+              </a:rPr>
+              <a:t>A</a:t>
+            </a:r>
+            <a:r>
+              <a:rPr lang="nl-NL" b="1" dirty="0" err="1">
+                <a:latin typeface="Noto Sans" panose="020B0502040504020204" pitchFamily="34" charset="0"/>
+              </a:rPr>
+              <a:t>dded</a:t>
+            </a:r>
+            <a:r>
+              <a:rPr lang="nl-NL" b="1" dirty="0">
+                <a:latin typeface="Noto Sans" panose="020B0502040504020204" pitchFamily="34" charset="0"/>
+              </a:rPr>
+              <a:t> </a:t>
+            </a:r>
+            <a:r>
+              <a:rPr lang="nl-NL" b="1" dirty="0" err="1">
+                <a:latin typeface="Noto Sans" panose="020B0502040504020204" pitchFamily="34" charset="0"/>
+              </a:rPr>
+              <a:t>statefulsets</a:t>
+            </a:r>
+            <a:r>
+              <a:rPr lang="nl-NL" b="1" dirty="0">
+                <a:latin typeface="Noto Sans" panose="020B0502040504020204" pitchFamily="34" charset="0"/>
+              </a:rPr>
+              <a:t> </a:t>
+            </a:r>
+            <a:r>
+              <a:rPr lang="nl-NL" b="1" dirty="0" err="1">
+                <a:latin typeface="Noto Sans" panose="020B0502040504020204" pitchFamily="34" charset="0"/>
+              </a:rPr>
+              <a:t>with</a:t>
+            </a:r>
+            <a:r>
+              <a:rPr lang="nl-NL" b="1" dirty="0">
+                <a:latin typeface="Noto Sans" panose="020B0502040504020204" pitchFamily="34" charset="0"/>
+              </a:rPr>
+              <a:t> data </a:t>
+            </a:r>
+            <a:r>
+              <a:rPr lang="nl-NL" b="1" dirty="0" err="1">
+                <a:latin typeface="Noto Sans" panose="020B0502040504020204" pitchFamily="34" charset="0"/>
+              </a:rPr>
+              <a:t>persistence</a:t>
+            </a:r>
+            <a:endParaRPr lang="nl-NL" b="1" dirty="0">
+              <a:latin typeface="Noto Sans" panose="020B0502040504020204" pitchFamily="34" charset="0"/>
+            </a:endParaRPr>
           </a:p>
         </p:txBody>
       </p:sp>
       <p:pic>
         <p:nvPicPr>
-          <p:cNvPr id="10" name="Afbeelding 9">
+          <p:cNvPr id="5" name="Afbeelding 4">
             <a:extLst>
               <a:ext uri="{FF2B5EF4-FFF2-40B4-BE49-F238E27FC236}">
-                <a16:creationId xmlns:a16="http://schemas.microsoft.com/office/drawing/2014/main" id="{6505943A-75DB-4752-876C-04D74C8073D4}"/>
+                <a16:creationId xmlns:a16="http://schemas.microsoft.com/office/drawing/2014/main" id="{CC4752E0-D2E1-4A22-A596-84984589D135}"/>
               </a:ext>
             </a:extLst>
           </p:cNvPr>
@@ -6840,8 +7386,37 @@
         </p:blipFill>
         <p:spPr>
           <a:xfrm>
-            <a:off x="606268" y="2953987"/>
-            <a:ext cx="10979463" cy="3583420"/>
+            <a:off x="9869724" y="2503777"/>
+            <a:ext cx="1905000" cy="4267200"/>
+          </a:xfrm>
+          <a:prstGeom prst="rect">
+            <a:avLst/>
+          </a:prstGeom>
+        </p:spPr>
+      </p:pic>
+      <p:pic>
+        <p:nvPicPr>
+          <p:cNvPr id="7" name="Afbeelding 6">
+            <a:extLst>
+              <a:ext uri="{FF2B5EF4-FFF2-40B4-BE49-F238E27FC236}">
+                <a16:creationId xmlns:a16="http://schemas.microsoft.com/office/drawing/2014/main" id="{0F9BEFE5-7178-415C-8FEB-37F8A11B5E88}"/>
+              </a:ext>
+            </a:extLst>
+          </p:cNvPr>
+          <p:cNvPicPr>
+            <a:picLocks noChangeAspect="1"/>
+          </p:cNvPicPr>
+          <p:nvPr/>
+        </p:nvPicPr>
+        <p:blipFill rotWithShape="1">
+          <a:blip r:embed="rId4"/>
+          <a:srcRect b="6942"/>
+          <a:stretch/>
+        </p:blipFill>
+        <p:spPr>
+          <a:xfrm>
+            <a:off x="417276" y="3865605"/>
+            <a:ext cx="9391744" cy="2905372"/>
           </a:xfrm>
           <a:prstGeom prst="rect">
             <a:avLst/>
@@ -6902,26 +7477,22 @@
           <a:lstStyle/>
           <a:p>
             <a:r>
-              <a:rPr lang="nl-NL" sz="5400" b="1" i="0" dirty="0" err="1">
+              <a:rPr lang="nl-NL" sz="5400" b="1" i="0" dirty="0">
                 <a:solidFill>
                   <a:srgbClr val="FF0000"/>
                 </a:solidFill>
                 <a:effectLst/>
                 <a:latin typeface="Bebas Neue" panose="020B0606020202050201" pitchFamily="34" charset="0"/>
               </a:rPr>
-              <a:t>R</a:t>
-            </a:r>
-            <a:r>
-              <a:rPr lang="nl-NL" sz="5400" b="1" i="0" dirty="0" err="1">
+              <a:t>D</a:t>
+            </a:r>
+            <a:r>
+              <a:rPr lang="nl-NL" sz="5400" b="1" i="0" dirty="0">
                 <a:effectLst/>
                 <a:latin typeface="Bebas Neue" panose="020B0606020202050201" pitchFamily="34" charset="0"/>
               </a:rPr>
-              <a:t>oadmap</a:t>
-            </a:r>
-            <a:endParaRPr lang="nl-NL" sz="5400" b="1" i="0" dirty="0">
-              <a:effectLst/>
-              <a:latin typeface="Bebas Neue" panose="020B0606020202050201" pitchFamily="34" charset="0"/>
-            </a:endParaRPr>
+              <a:t>EMO ( UI showcase )</a:t>
+            </a:r>
           </a:p>
         </p:txBody>
       </p:sp>
@@ -6948,57 +7519,53 @@
           </a:bodyPr>
           <a:lstStyle/>
           <a:p>
-            <a:endParaRPr lang="nl-NL" b="1" u="sng" dirty="0">
-              <a:latin typeface="Noto Sans" panose="020B0502040504020204" pitchFamily="34" charset="0"/>
-            </a:endParaRPr>
-          </a:p>
-          <a:p>
-            <a:endParaRPr lang="nl-NL" dirty="0"/>
-          </a:p>
-          <a:p>
-            <a:endParaRPr lang="nl-NL" dirty="0"/>
-          </a:p>
-        </p:txBody>
-      </p:sp>
-      <p:pic>
-        <p:nvPicPr>
-          <p:cNvPr id="6" name="Picture 5" descr="Diagram&#10;&#10;Description automatically generated">
-            <a:extLst>
-              <a:ext uri="{FF2B5EF4-FFF2-40B4-BE49-F238E27FC236}">
-                <a16:creationId xmlns:a16="http://schemas.microsoft.com/office/drawing/2014/main" id="{586A2727-C6EE-476E-9939-85F49C666D64}"/>
-              </a:ext>
-            </a:extLst>
-          </p:cNvPr>
-          <p:cNvPicPr>
-            <a:picLocks noChangeAspect="1"/>
-          </p:cNvPicPr>
-          <p:nvPr/>
-        </p:nvPicPr>
-        <p:blipFill rotWithShape="1">
-          <a:blip r:embed="rId3">
-            <a:extLst>
-              <a:ext uri="{28A0092B-C50C-407E-A947-70E740481C1C}">
-                <a14:useLocalDpi xmlns:a14="http://schemas.microsoft.com/office/drawing/2010/main" val="0"/>
-              </a:ext>
-            </a:extLst>
-          </a:blip>
-          <a:srcRect t="30105"/>
-          <a:stretch/>
-        </p:blipFill>
-        <p:spPr>
-          <a:xfrm>
-            <a:off x="1303680" y="2237283"/>
-            <a:ext cx="9584640" cy="3939680"/>
-          </a:xfrm>
-          <a:prstGeom prst="rect">
-            <a:avLst/>
-          </a:prstGeom>
-        </p:spPr>
-      </p:pic>
+            <a:pPr marL="0" indent="0" algn="ctr">
+              <a:buNone/>
+            </a:pPr>
+            <a:r>
+              <a:rPr lang="nl-NL" sz="5400" b="1" dirty="0">
+                <a:solidFill>
+                  <a:srgbClr val="FF0000"/>
+                </a:solidFill>
+                <a:latin typeface="Noto Sans" panose="020B0502040504020204" pitchFamily="34" charset="0"/>
+              </a:rPr>
+              <a:t>[</a:t>
+            </a:r>
+            <a:r>
+              <a:rPr lang="nl-NL" sz="5400" b="1" dirty="0">
+                <a:latin typeface="Noto Sans" panose="020B0502040504020204" pitchFamily="34" charset="0"/>
+              </a:rPr>
+              <a:t> </a:t>
+            </a:r>
+            <a:r>
+              <a:rPr lang="nl-NL" sz="5400" b="1" dirty="0">
+                <a:latin typeface="Noto Sans" panose="020B0502040504020204" pitchFamily="34" charset="0"/>
+                <a:hlinkClick r:id="rId3"/>
+              </a:rPr>
+              <a:t>link</a:t>
+            </a:r>
+            <a:r>
+              <a:rPr lang="nl-NL" sz="5400" b="1" dirty="0">
+                <a:latin typeface="Noto Sans" panose="020B0502040504020204" pitchFamily="34" charset="0"/>
+              </a:rPr>
+              <a:t> </a:t>
+            </a:r>
+            <a:r>
+              <a:rPr lang="nl-NL" sz="5400" b="1" dirty="0">
+                <a:solidFill>
+                  <a:srgbClr val="FF0000"/>
+                </a:solidFill>
+                <a:latin typeface="Noto Sans" panose="020B0502040504020204" pitchFamily="34" charset="0"/>
+              </a:rPr>
+              <a:t>]</a:t>
+            </a:r>
+          </a:p>
+        </p:txBody>
+      </p:sp>
     </p:spTree>
     <p:extLst>
       <p:ext uri="{BB962C8B-B14F-4D97-AF65-F5344CB8AC3E}">
-        <p14:creationId xmlns:p14="http://schemas.microsoft.com/office/powerpoint/2010/main" val="2195718354"/>
+        <p14:creationId xmlns:p14="http://schemas.microsoft.com/office/powerpoint/2010/main" val="1397843688"/>
       </p:ext>
     </p:extLst>
   </p:cSld>
